--- a/9 JDI For any UI.pptx
+++ b/9 JDI For any UI.pptx
@@ -219,7 +219,7 @@
           <a:p>
             <a:fld id="{22B8FCFE-F316-49C5-A3FC-507A450A88AB}" type="datetimeFigureOut">
               <a:rPr lang="en-US" smtClean="0"/>
-              <a:t>12/7/2016</a:t>
+              <a:t>5/29/2017</a:t>
             </a:fld>
             <a:endParaRPr lang="en-US"/>
           </a:p>
@@ -4194,7 +4194,6 @@
               <a:rPr lang="en-US" dirty="0" smtClean="0"/>
               <a:t>link </a:t>
             </a:r>
-            <a:endParaRPr lang="en-US" dirty="0" smtClean="0"/>
           </a:p>
           <a:p>
             <a:pPr marL="0" indent="0">
@@ -4206,15 +4205,7 @@
                   <a:srgbClr val="0070C0"/>
                 </a:solidFill>
               </a:rPr>
-              <a:t>	“</a:t>
-            </a:r>
-            <a:r>
-              <a:rPr lang="en-US" dirty="0" smtClean="0">
-                <a:solidFill>
-                  <a:srgbClr val="0070C0"/>
-                </a:solidFill>
-              </a:rPr>
-              <a:t>Simple Java example project” </a:t>
+              <a:t>	“Simple Java example project” </a:t>
             </a:r>
             <a:r>
               <a:rPr lang="en-US" dirty="0" smtClean="0"/>
@@ -4228,11 +4219,7 @@
             </a:pPr>
             <a:r>
               <a:rPr lang="en-US" dirty="0" smtClean="0"/>
-              <a:t>Add (replace examples) UI objects for your project </a:t>
-            </a:r>
-            <a:r>
-              <a:rPr lang="en-US" dirty="0" smtClean="0"/>
-              <a:t>	in </a:t>
+              <a:t>Add (replace examples) UI objects for your project 	in </a:t>
             </a:r>
             <a:r>
               <a:rPr lang="en-US" dirty="0" err="1" smtClean="0">
@@ -6708,13 +6695,6 @@
               </a:rPr>
               <a:t>Parallel test run</a:t>
             </a:r>
-            <a:endParaRPr lang="en-US" sz="4000" b="1" dirty="0" smtClean="0">
-              <a:solidFill>
-                <a:schemeClr val="tx1">
-                  <a:lumMod val="50000"/>
-                </a:schemeClr>
-              </a:solidFill>
-            </a:endParaRPr>
           </a:p>
           <a:p>
             <a:r>
@@ -6725,8 +6705,10 @@
                   </a:schemeClr>
                 </a:solidFill>
               </a:rPr>
-              <a:t> </a:t>
-            </a:r>
+              <a:t> Instruction</a:t>
+            </a:r>
+          </a:p>
+          <a:p>
             <a:r>
               <a:rPr lang="en-US" sz="4000" b="1" dirty="0" smtClean="0">
                 <a:solidFill>
@@ -6735,27 +6717,8 @@
                   </a:schemeClr>
                 </a:solidFill>
               </a:rPr>
-              <a:t>Instruction</a:t>
-            </a:r>
-          </a:p>
-          <a:p>
-            <a:r>
-              <a:rPr lang="en-US" sz="4000" b="1" dirty="0" smtClean="0">
-                <a:solidFill>
-                  <a:schemeClr val="tx1">
-                    <a:lumMod val="50000"/>
-                  </a:schemeClr>
-                </a:solidFill>
-              </a:rPr>
               <a:t> Good practices</a:t>
             </a:r>
-            <a:endParaRPr lang="en-US" sz="4000" b="1" dirty="0" smtClean="0">
-              <a:solidFill>
-                <a:schemeClr val="tx1">
-                  <a:lumMod val="50000"/>
-                </a:schemeClr>
-              </a:solidFill>
-            </a:endParaRPr>
           </a:p>
         </p:txBody>
       </p:sp>
@@ -7293,7 +7256,11 @@
             </a:r>
             <a:r>
               <a:rPr lang="en-US" sz="2000" b="1" dirty="0" smtClean="0"/>
-              <a:t>1.0.39</a:t>
+              <a:t>1.0.</a:t>
+            </a:r>
+            <a:r>
+              <a:rPr lang="ru-RU" sz="2000" b="1" dirty="0" smtClean="0"/>
+              <a:t>67</a:t>
             </a:r>
             <a:r>
               <a:rPr lang="en-US" sz="2000" dirty="0" smtClean="0"/>
@@ -7639,15 +7606,27 @@
             </a:pPr>
             <a:r>
               <a:rPr lang="en-US" sz="2000" dirty="0" smtClean="0"/>
-              <a:t>    &lt;version&gt;</a:t>
+              <a:t>    &lt;</a:t>
+            </a:r>
+            <a:r>
+              <a:rPr lang="en-US" sz="2000" dirty="0" smtClean="0"/>
+              <a:t>version&gt;</a:t>
             </a:r>
             <a:r>
               <a:rPr lang="en-US" sz="2000" b="1" dirty="0" smtClean="0"/>
-              <a:t>1.0.39</a:t>
+              <a:t>1.0.</a:t>
+            </a:r>
+            <a:r>
+              <a:rPr lang="ru-RU" sz="2000" b="1" dirty="0" smtClean="0"/>
+              <a:t>67</a:t>
             </a:r>
             <a:r>
               <a:rPr lang="en-US" sz="2000" dirty="0" smtClean="0"/>
-              <a:t>&lt;/version&gt;</a:t>
+              <a:t>&lt;/</a:t>
+            </a:r>
+            <a:r>
+              <a:rPr lang="en-US" sz="2000" dirty="0" smtClean="0"/>
+              <a:t>version&gt;</a:t>
             </a:r>
           </a:p>
           <a:p>
@@ -7997,19 +7976,27 @@
             </a:pPr>
             <a:r>
               <a:rPr lang="en-US" sz="2000" dirty="0" smtClean="0"/>
-              <a:t>    &lt;version&gt;</a:t>
+              <a:t>    &lt;</a:t>
+            </a:r>
+            <a:r>
+              <a:rPr lang="en-US" sz="2000" dirty="0" smtClean="0"/>
+              <a:t>version&gt;</a:t>
             </a:r>
             <a:r>
               <a:rPr lang="en-US" sz="2000" b="1" dirty="0" smtClean="0"/>
-              <a:t>1.0.3</a:t>
-            </a:r>
-            <a:r>
-              <a:rPr lang="en-US" sz="2000" b="1" dirty="0"/>
-              <a:t>9</a:t>
+              <a:t>1.0.</a:t>
+            </a:r>
+            <a:r>
+              <a:rPr lang="ru-RU" sz="2000" b="1" dirty="0" smtClean="0"/>
+              <a:t>67</a:t>
             </a:r>
             <a:r>
               <a:rPr lang="en-US" sz="2000" dirty="0" smtClean="0"/>
-              <a:t>&lt;/version&gt;</a:t>
+              <a:t>&lt;/</a:t>
+            </a:r>
+            <a:r>
+              <a:rPr lang="en-US" sz="2000" dirty="0" smtClean="0"/>
+              <a:t>version&gt;</a:t>
             </a:r>
           </a:p>
           <a:p>
